--- a/カンバンゲーム今後の実装.pptx
+++ b/カンバンゲーム今後の実装.pptx
@@ -274,7 +274,7 @@
           <a:p>
             <a:fld id="{E12D4CE4-0CC9-4B6D-BF8B-8C2C5D1B1436}" type="datetimeFigureOut">
               <a:rPr kumimoji="1" lang="ja-JP" altLang="en-US" smtClean="0"/>
-              <a:t>2019/10/21</a:t>
+              <a:t>2019/10/29</a:t>
             </a:fld>
             <a:endParaRPr kumimoji="1" lang="ja-JP" altLang="en-US"/>
           </a:p>
@@ -504,7 +504,7 @@
           <a:p>
             <a:fld id="{E12D4CE4-0CC9-4B6D-BF8B-8C2C5D1B1436}" type="datetimeFigureOut">
               <a:rPr kumimoji="1" lang="ja-JP" altLang="en-US" smtClean="0"/>
-              <a:t>2019/10/21</a:t>
+              <a:t>2019/10/29</a:t>
             </a:fld>
             <a:endParaRPr kumimoji="1" lang="ja-JP" altLang="en-US"/>
           </a:p>
@@ -744,7 +744,7 @@
           <a:p>
             <a:fld id="{E12D4CE4-0CC9-4B6D-BF8B-8C2C5D1B1436}" type="datetimeFigureOut">
               <a:rPr kumimoji="1" lang="ja-JP" altLang="en-US" smtClean="0"/>
-              <a:t>2019/10/21</a:t>
+              <a:t>2019/10/29</a:t>
             </a:fld>
             <a:endParaRPr kumimoji="1" lang="ja-JP" altLang="en-US"/>
           </a:p>
@@ -974,7 +974,7 @@
           <a:p>
             <a:fld id="{E12D4CE4-0CC9-4B6D-BF8B-8C2C5D1B1436}" type="datetimeFigureOut">
               <a:rPr kumimoji="1" lang="ja-JP" altLang="en-US" smtClean="0"/>
-              <a:t>2019/10/21</a:t>
+              <a:t>2019/10/29</a:t>
             </a:fld>
             <a:endParaRPr kumimoji="1" lang="ja-JP" altLang="en-US"/>
           </a:p>
@@ -1249,7 +1249,7 @@
           <a:p>
             <a:fld id="{E12D4CE4-0CC9-4B6D-BF8B-8C2C5D1B1436}" type="datetimeFigureOut">
               <a:rPr kumimoji="1" lang="ja-JP" altLang="en-US" smtClean="0"/>
-              <a:t>2019/10/21</a:t>
+              <a:t>2019/10/29</a:t>
             </a:fld>
             <a:endParaRPr kumimoji="1" lang="ja-JP" altLang="en-US"/>
           </a:p>
@@ -1578,7 +1578,7 @@
           <a:p>
             <a:fld id="{E12D4CE4-0CC9-4B6D-BF8B-8C2C5D1B1436}" type="datetimeFigureOut">
               <a:rPr kumimoji="1" lang="ja-JP" altLang="en-US" smtClean="0"/>
-              <a:t>2019/10/21</a:t>
+              <a:t>2019/10/29</a:t>
             </a:fld>
             <a:endParaRPr kumimoji="1" lang="ja-JP" altLang="en-US"/>
           </a:p>
@@ -2054,7 +2054,7 @@
           <a:p>
             <a:fld id="{E12D4CE4-0CC9-4B6D-BF8B-8C2C5D1B1436}" type="datetimeFigureOut">
               <a:rPr kumimoji="1" lang="ja-JP" altLang="en-US" smtClean="0"/>
-              <a:t>2019/10/21</a:t>
+              <a:t>2019/10/29</a:t>
             </a:fld>
             <a:endParaRPr kumimoji="1" lang="ja-JP" altLang="en-US"/>
           </a:p>
@@ -2195,7 +2195,7 @@
           <a:p>
             <a:fld id="{E12D4CE4-0CC9-4B6D-BF8B-8C2C5D1B1436}" type="datetimeFigureOut">
               <a:rPr kumimoji="1" lang="ja-JP" altLang="en-US" smtClean="0"/>
-              <a:t>2019/10/21</a:t>
+              <a:t>2019/10/29</a:t>
             </a:fld>
             <a:endParaRPr kumimoji="1" lang="ja-JP" altLang="en-US"/>
           </a:p>
@@ -2308,7 +2308,7 @@
           <a:p>
             <a:fld id="{E12D4CE4-0CC9-4B6D-BF8B-8C2C5D1B1436}" type="datetimeFigureOut">
               <a:rPr kumimoji="1" lang="ja-JP" altLang="en-US" smtClean="0"/>
-              <a:t>2019/10/21</a:t>
+              <a:t>2019/10/29</a:t>
             </a:fld>
             <a:endParaRPr kumimoji="1" lang="ja-JP" altLang="en-US"/>
           </a:p>
@@ -2651,7 +2651,7 @@
           <a:p>
             <a:fld id="{E12D4CE4-0CC9-4B6D-BF8B-8C2C5D1B1436}" type="datetimeFigureOut">
               <a:rPr kumimoji="1" lang="ja-JP" altLang="en-US" smtClean="0"/>
-              <a:t>2019/10/21</a:t>
+              <a:t>2019/10/29</a:t>
             </a:fld>
             <a:endParaRPr kumimoji="1" lang="ja-JP" altLang="en-US"/>
           </a:p>
@@ -2939,7 +2939,7 @@
           <a:p>
             <a:fld id="{E12D4CE4-0CC9-4B6D-BF8B-8C2C5D1B1436}" type="datetimeFigureOut">
               <a:rPr kumimoji="1" lang="ja-JP" altLang="en-US" smtClean="0"/>
-              <a:t>2019/10/21</a:t>
+              <a:t>2019/10/29</a:t>
             </a:fld>
             <a:endParaRPr kumimoji="1" lang="ja-JP" altLang="en-US"/>
           </a:p>
@@ -3212,7 +3212,7 @@
           <a:p>
             <a:fld id="{E12D4CE4-0CC9-4B6D-BF8B-8C2C5D1B1436}" type="datetimeFigureOut">
               <a:rPr kumimoji="1" lang="ja-JP" altLang="en-US" smtClean="0"/>
-              <a:t>2019/10/21</a:t>
+              <a:t>2019/10/29</a:t>
             </a:fld>
             <a:endParaRPr kumimoji="1" lang="ja-JP" altLang="en-US"/>
           </a:p>
@@ -5531,7 +5531,7 @@
         </p:nvSpPr>
         <p:spPr>
           <a:xfrm>
-            <a:off x="838200" y="78377"/>
+            <a:off x="754310" y="69988"/>
             <a:ext cx="10515600" cy="714103"/>
           </a:xfrm>
         </p:spPr>
@@ -5588,25 +5588,7 @@
             </a:pPr>
             <a:r>
               <a:rPr lang="ja-JP" altLang="en-US" sz="2000" dirty="0"/>
-              <a:t>・選択しているカードがどれかわかりやすくする</a:t>
-            </a:r>
-            <a:endParaRPr lang="en-US" altLang="ja-JP" sz="2000" dirty="0"/>
-          </a:p>
-          <a:p>
-            <a:pPr marL="0" indent="0">
-              <a:buNone/>
-            </a:pPr>
-            <a:r>
-              <a:rPr lang="ja-JP" altLang="en-US" sz="2000" dirty="0"/>
-              <a:t>　（</a:t>
-            </a:r>
-            <a:r>
-              <a:rPr lang="en-US" altLang="ja-JP" sz="2000" dirty="0"/>
-              <a:t>ex:</a:t>
-            </a:r>
-            <a:r>
-              <a:rPr lang="ja-JP" altLang="en-US" sz="2000" dirty="0"/>
-              <a:t>カードの周囲に色をつける）</a:t>
+              <a:t>・ターン終了ボタンの実装</a:t>
             </a:r>
             <a:endParaRPr lang="en-US" altLang="ja-JP" sz="2000" dirty="0"/>
           </a:p>
@@ -5626,16 +5608,6 @@
             </a:pPr>
             <a:r>
               <a:rPr lang="ja-JP" altLang="en-US" sz="2000" dirty="0"/>
-              <a:t>・ターン終了ボタンの実装</a:t>
-            </a:r>
-            <a:endParaRPr lang="en-US" altLang="ja-JP" sz="2000" dirty="0"/>
-          </a:p>
-          <a:p>
-            <a:pPr marL="0" indent="0">
-              <a:buNone/>
-            </a:pPr>
-            <a:r>
-              <a:rPr lang="ja-JP" altLang="en-US" sz="2000" dirty="0"/>
               <a:t>・余ったサイコロの数値を</a:t>
             </a:r>
             <a:r>
@@ -5652,29 +5624,7 @@
             </a:r>
             <a:r>
               <a:rPr lang="ja-JP" altLang="en-US" sz="2000" dirty="0"/>
-              <a:t>カードに割り振れるよう</a:t>
-            </a:r>
-            <a:r>
-              <a:rPr lang="ja-JP" altLang="en-US" sz="2000"/>
-              <a:t>にする。</a:t>
-            </a:r>
-            <a:endParaRPr lang="en-US" altLang="ja-JP" sz="2000" dirty="0"/>
-          </a:p>
-          <a:p>
-            <a:pPr marL="0" indent="0">
-              <a:buNone/>
-            </a:pPr>
-            <a:r>
-              <a:rPr lang="ja-JP" altLang="en-US" sz="2000" dirty="0"/>
-              <a:t>・</a:t>
-            </a:r>
-            <a:r>
-              <a:rPr lang="en-US" altLang="ja-JP" sz="2000" dirty="0"/>
-              <a:t>Doing</a:t>
-            </a:r>
-            <a:r>
-              <a:rPr lang="ja-JP" altLang="en-US" sz="2000" dirty="0"/>
-              <a:t>にカードが複数ある時にサイコロの数値が小さくなるようにする。</a:t>
+              <a:t>カードに割り振れるようにする。</a:t>
             </a:r>
             <a:endParaRPr lang="en-US" altLang="ja-JP" sz="2000" dirty="0"/>
           </a:p>

--- a/カンバンゲーム今後の実装.pptx
+++ b/カンバンゲーム今後の実装.pptx
@@ -5608,32 +5608,6 @@
             </a:pPr>
             <a:r>
               <a:rPr lang="ja-JP" altLang="en-US" sz="2000" dirty="0"/>
-              <a:t>・余ったサイコロの数値を</a:t>
-            </a:r>
-            <a:r>
-              <a:rPr lang="en-US" altLang="ja-JP" sz="2000" dirty="0"/>
-              <a:t>Doing</a:t>
-            </a:r>
-            <a:r>
-              <a:rPr lang="ja-JP" altLang="en-US" sz="2000" dirty="0"/>
-              <a:t>にあるほかの</a:t>
-            </a:r>
-            <a:r>
-              <a:rPr lang="en-US" altLang="ja-JP" sz="2000" dirty="0"/>
-              <a:t>Story</a:t>
-            </a:r>
-            <a:r>
-              <a:rPr lang="ja-JP" altLang="en-US" sz="2000" dirty="0"/>
-              <a:t>カードに割り振れるようにする。</a:t>
-            </a:r>
-            <a:endParaRPr lang="en-US" altLang="ja-JP" sz="2000" dirty="0"/>
-          </a:p>
-          <a:p>
-            <a:pPr marL="0" indent="0">
-              <a:buNone/>
-            </a:pPr>
-            <a:r>
-              <a:rPr lang="ja-JP" altLang="en-US" sz="2000" dirty="0"/>
               <a:t>・</a:t>
             </a:r>
             <a:r>
